--- a/docs/songs/you are good.pptx
+++ b/docs/songs/you are good.pptx
@@ -308,7 +308,7 @@
             <a:fld id="{26EA1CF3-4A15-4CBF-9A5A-6A56C368BE71}" type="datetimeFigureOut">
               <a:rPr lang="en-GB" smtClean="0"/>
               <a:pPr/>
-              <a:t>03/10/2022</a:t>
+              <a:t>08/06/2024</a:t>
             </a:fld>
             <a:endParaRPr lang="en-GB"/>
           </a:p>
@@ -475,7 +475,7 @@
             <a:fld id="{26EA1CF3-4A15-4CBF-9A5A-6A56C368BE71}" type="datetimeFigureOut">
               <a:rPr lang="en-GB" smtClean="0"/>
               <a:pPr/>
-              <a:t>03/10/2022</a:t>
+              <a:t>08/06/2024</a:t>
             </a:fld>
             <a:endParaRPr lang="en-GB"/>
           </a:p>
@@ -652,7 +652,7 @@
             <a:fld id="{26EA1CF3-4A15-4CBF-9A5A-6A56C368BE71}" type="datetimeFigureOut">
               <a:rPr lang="en-GB" smtClean="0"/>
               <a:pPr/>
-              <a:t>03/10/2022</a:t>
+              <a:t>08/06/2024</a:t>
             </a:fld>
             <a:endParaRPr lang="en-GB"/>
           </a:p>
@@ -819,7 +819,7 @@
             <a:fld id="{26EA1CF3-4A15-4CBF-9A5A-6A56C368BE71}" type="datetimeFigureOut">
               <a:rPr lang="en-GB" smtClean="0"/>
               <a:pPr/>
-              <a:t>03/10/2022</a:t>
+              <a:t>08/06/2024</a:t>
             </a:fld>
             <a:endParaRPr lang="en-GB"/>
           </a:p>
@@ -1062,7 +1062,7 @@
             <a:fld id="{26EA1CF3-4A15-4CBF-9A5A-6A56C368BE71}" type="datetimeFigureOut">
               <a:rPr lang="en-GB" smtClean="0"/>
               <a:pPr/>
-              <a:t>03/10/2022</a:t>
+              <a:t>08/06/2024</a:t>
             </a:fld>
             <a:endParaRPr lang="en-GB"/>
           </a:p>
@@ -1347,7 +1347,7 @@
             <a:fld id="{26EA1CF3-4A15-4CBF-9A5A-6A56C368BE71}" type="datetimeFigureOut">
               <a:rPr lang="en-GB" smtClean="0"/>
               <a:pPr/>
-              <a:t>03/10/2022</a:t>
+              <a:t>08/06/2024</a:t>
             </a:fld>
             <a:endParaRPr lang="en-GB"/>
           </a:p>
@@ -1766,7 +1766,7 @@
             <a:fld id="{26EA1CF3-4A15-4CBF-9A5A-6A56C368BE71}" type="datetimeFigureOut">
               <a:rPr lang="en-GB" smtClean="0"/>
               <a:pPr/>
-              <a:t>03/10/2022</a:t>
+              <a:t>08/06/2024</a:t>
             </a:fld>
             <a:endParaRPr lang="en-GB"/>
           </a:p>
@@ -1881,7 +1881,7 @@
             <a:fld id="{26EA1CF3-4A15-4CBF-9A5A-6A56C368BE71}" type="datetimeFigureOut">
               <a:rPr lang="en-GB" smtClean="0"/>
               <a:pPr/>
-              <a:t>03/10/2022</a:t>
+              <a:t>08/06/2024</a:t>
             </a:fld>
             <a:endParaRPr lang="en-GB"/>
           </a:p>
@@ -1973,7 +1973,7 @@
             <a:fld id="{26EA1CF3-4A15-4CBF-9A5A-6A56C368BE71}" type="datetimeFigureOut">
               <a:rPr lang="en-GB" smtClean="0"/>
               <a:pPr/>
-              <a:t>03/10/2022</a:t>
+              <a:t>08/06/2024</a:t>
             </a:fld>
             <a:endParaRPr lang="en-GB"/>
           </a:p>
@@ -2247,7 +2247,7 @@
             <a:fld id="{26EA1CF3-4A15-4CBF-9A5A-6A56C368BE71}" type="datetimeFigureOut">
               <a:rPr lang="en-GB" smtClean="0"/>
               <a:pPr/>
-              <a:t>03/10/2022</a:t>
+              <a:t>08/06/2024</a:t>
             </a:fld>
             <a:endParaRPr lang="en-GB"/>
           </a:p>
@@ -2497,7 +2497,7 @@
             <a:fld id="{26EA1CF3-4A15-4CBF-9A5A-6A56C368BE71}" type="datetimeFigureOut">
               <a:rPr lang="en-GB" smtClean="0"/>
               <a:pPr/>
-              <a:t>03/10/2022</a:t>
+              <a:t>08/06/2024</a:t>
             </a:fld>
             <a:endParaRPr lang="en-GB"/>
           </a:p>
@@ -2710,7 +2710,7 @@
             <a:fld id="{26EA1CF3-4A15-4CBF-9A5A-6A56C368BE71}" type="datetimeFigureOut">
               <a:rPr lang="en-GB" smtClean="0"/>
               <a:pPr/>
-              <a:t>03/10/2022</a:t>
+              <a:t>08/06/2024</a:t>
             </a:fld>
             <a:endParaRPr lang="en-GB"/>
           </a:p>
@@ -3116,13 +3116,6 @@
             </a:r>
           </a:p>
           <a:p>
-            <a:br>
-              <a:rPr lang="en-GB" sz="9600" dirty="0">
-                <a:solidFill>
-                  <a:schemeClr val="bg1"/>
-                </a:solidFill>
-              </a:rPr>
-            </a:br>
             <a:r>
               <a:rPr lang="en-GB" sz="1200" dirty="0"/>
               <a:t> CCLI Song # 3383788</a:t>
@@ -3222,7 +3215,7 @@
         </p:nvSpPr>
         <p:spPr>
           <a:xfrm>
-            <a:off x="323528" y="188640"/>
+            <a:off x="251520" y="692696"/>
             <a:ext cx="8640960" cy="6480720"/>
           </a:xfrm>
         </p:spPr>
@@ -3232,8 +3225,13 @@
           </a:bodyPr>
           <a:lstStyle/>
           <a:p>
-            <a:r>
-              <a:rPr lang="en-GB" sz="4900" dirty="0">
+            <a:pPr>
+              <a:spcBef>
+                <a:spcPts val="0"/>
+              </a:spcBef>
+            </a:pPr>
+            <a:r>
+              <a:rPr lang="en-GB" sz="4400" dirty="0">
                 <a:solidFill>
                   <a:schemeClr val="bg1"/>
                 </a:solidFill>
@@ -3241,14 +3239,14 @@
               <a:t>Lord You are good</a:t>
             </a:r>
             <a:br>
-              <a:rPr lang="en-GB" sz="4900" dirty="0">
+              <a:rPr lang="en-GB" sz="4400" dirty="0">
                 <a:solidFill>
                   <a:schemeClr val="bg1"/>
                 </a:solidFill>
               </a:rPr>
             </a:br>
             <a:r>
-              <a:rPr lang="en-GB" sz="4900" dirty="0">
+              <a:rPr lang="en-GB" sz="4400" dirty="0">
                 <a:solidFill>
                   <a:schemeClr val="bg1"/>
                 </a:solidFill>
@@ -3256,7 +3254,7 @@
               <a:t>And Your mercy </a:t>
             </a:r>
             <a:r>
-              <a:rPr lang="en-GB" sz="4900" dirty="0" err="1">
+              <a:rPr lang="en-GB" sz="4400" dirty="0" err="1">
                 <a:solidFill>
                   <a:schemeClr val="bg1"/>
                 </a:solidFill>
@@ -3264,7 +3262,7 @@
               <a:t>endureth</a:t>
             </a:r>
             <a:r>
-              <a:rPr lang="en-GB" sz="4900" dirty="0">
+              <a:rPr lang="en-GB" sz="4400" dirty="0">
                 <a:solidFill>
                   <a:schemeClr val="bg1"/>
                 </a:solidFill>
@@ -3272,14 +3270,14 @@
               <a:t> forever</a:t>
             </a:r>
             <a:br>
-              <a:rPr lang="en-GB" sz="4900" dirty="0">
+              <a:rPr lang="en-GB" sz="4400" dirty="0">
                 <a:solidFill>
                   <a:schemeClr val="bg1"/>
                 </a:solidFill>
               </a:rPr>
             </a:br>
             <a:r>
-              <a:rPr lang="en-GB" sz="4900" dirty="0">
+              <a:rPr lang="en-GB" sz="4400" dirty="0">
                 <a:solidFill>
                   <a:schemeClr val="bg1"/>
                 </a:solidFill>
@@ -3287,14 +3285,14 @@
               <a:t>Lord You are good</a:t>
             </a:r>
             <a:br>
-              <a:rPr lang="en-GB" sz="4900" dirty="0">
+              <a:rPr lang="en-GB" sz="4400" dirty="0">
                 <a:solidFill>
                   <a:schemeClr val="bg1"/>
                 </a:solidFill>
               </a:rPr>
             </a:br>
             <a:r>
-              <a:rPr lang="en-GB" sz="4900" dirty="0">
+              <a:rPr lang="en-GB" sz="4400" dirty="0">
                 <a:solidFill>
                   <a:schemeClr val="bg1"/>
                 </a:solidFill>
@@ -3302,7 +3300,7 @@
               <a:t>And Your mercy </a:t>
             </a:r>
             <a:r>
-              <a:rPr lang="en-GB" sz="4900" dirty="0" err="1">
+              <a:rPr lang="en-GB" sz="4400" dirty="0" err="1">
                 <a:solidFill>
                   <a:schemeClr val="bg1"/>
                 </a:solidFill>
@@ -3310,7 +3308,7 @@
               <a:t>endureth</a:t>
             </a:r>
             <a:r>
-              <a:rPr lang="en-GB" sz="4900" dirty="0">
+              <a:rPr lang="en-GB" sz="4400" dirty="0">
                 <a:solidFill>
                   <a:schemeClr val="bg1"/>
                 </a:solidFill>
@@ -3318,14 +3316,14 @@
               <a:t> forever</a:t>
             </a:r>
             <a:br>
-              <a:rPr lang="en-GB" sz="4900" dirty="0">
+              <a:rPr lang="en-GB" sz="4400" dirty="0">
                 <a:solidFill>
                   <a:schemeClr val="bg1"/>
                 </a:solidFill>
               </a:rPr>
             </a:br>
             <a:r>
-              <a:rPr lang="en-GB" sz="4900" dirty="0">
+              <a:rPr lang="en-GB" sz="4400" dirty="0">
                 <a:solidFill>
                   <a:schemeClr val="bg1"/>
                 </a:solidFill>
@@ -3333,14 +3331,14 @@
               <a:t>People from every nation and tongue</a:t>
             </a:r>
             <a:br>
-              <a:rPr lang="en-GB" sz="4900" dirty="0">
+              <a:rPr lang="en-GB" sz="4400" dirty="0">
                 <a:solidFill>
                   <a:schemeClr val="bg1"/>
                 </a:solidFill>
               </a:rPr>
             </a:br>
             <a:r>
-              <a:rPr lang="en-GB" sz="4900" dirty="0">
+              <a:rPr lang="en-GB" sz="4400" dirty="0">
                 <a:solidFill>
                   <a:schemeClr val="bg1"/>
                 </a:solidFill>
@@ -3420,7 +3418,7 @@
         </p:nvSpPr>
         <p:spPr>
           <a:xfrm>
-            <a:off x="323528" y="188640"/>
+            <a:off x="203118" y="692696"/>
             <a:ext cx="8640960" cy="6480720"/>
           </a:xfrm>
         </p:spPr>
@@ -3431,7 +3429,7 @@
           <a:lstStyle/>
           <a:p>
             <a:r>
-              <a:rPr lang="en-GB" sz="5000" dirty="0">
+              <a:rPr lang="en-GB" sz="4400" dirty="0">
                 <a:solidFill>
                   <a:schemeClr val="bg1"/>
                 </a:solidFill>
@@ -3439,14 +3437,14 @@
               <a:t>We worship You</a:t>
             </a:r>
             <a:br>
-              <a:rPr lang="en-GB" sz="5000" dirty="0">
+              <a:rPr lang="en-GB" sz="4400" dirty="0">
                 <a:solidFill>
                   <a:schemeClr val="bg1"/>
                 </a:solidFill>
               </a:rPr>
             </a:br>
             <a:r>
-              <a:rPr lang="en-GB" sz="5000" dirty="0">
+              <a:rPr lang="en-GB" sz="4400" dirty="0">
                 <a:solidFill>
                   <a:schemeClr val="bg1"/>
                 </a:solidFill>
@@ -3454,7 +3452,7 @@
               <a:t>Hallelujah </a:t>
             </a:r>
             <a:r>
-              <a:rPr lang="en-GB" sz="5000" dirty="0" err="1">
+              <a:rPr lang="en-GB" sz="4400" dirty="0" err="1">
                 <a:solidFill>
                   <a:schemeClr val="bg1"/>
                 </a:solidFill>
@@ -3462,14 +3460,14 @@
               <a:t>hallelujah</a:t>
             </a:r>
             <a:br>
-              <a:rPr lang="en-GB" sz="5000" dirty="0">
+              <a:rPr lang="en-GB" sz="4400" dirty="0">
                 <a:solidFill>
                   <a:schemeClr val="bg1"/>
                 </a:solidFill>
               </a:rPr>
             </a:br>
             <a:r>
-              <a:rPr lang="en-GB" sz="5000" dirty="0">
+              <a:rPr lang="en-GB" sz="4400" dirty="0">
                 <a:solidFill>
                   <a:schemeClr val="bg1"/>
                 </a:solidFill>
@@ -3477,14 +3475,14 @@
               <a:t>We worship You for who You are</a:t>
             </a:r>
             <a:br>
-              <a:rPr lang="en-GB" sz="5000" dirty="0">
+              <a:rPr lang="en-GB" sz="4400" dirty="0">
                 <a:solidFill>
                   <a:schemeClr val="bg1"/>
                 </a:solidFill>
               </a:rPr>
             </a:br>
             <a:r>
-              <a:rPr lang="en-GB" sz="5000" dirty="0">
+              <a:rPr lang="en-GB" sz="4400" dirty="0">
                 <a:solidFill>
                   <a:schemeClr val="bg1"/>
                 </a:solidFill>
@@ -3492,14 +3490,14 @@
               <a:t>We worship You</a:t>
             </a:r>
             <a:br>
-              <a:rPr lang="en-GB" sz="5000" dirty="0">
+              <a:rPr lang="en-GB" sz="4400" dirty="0">
                 <a:solidFill>
                   <a:schemeClr val="bg1"/>
                 </a:solidFill>
               </a:rPr>
             </a:br>
             <a:r>
-              <a:rPr lang="en-GB" sz="5000" dirty="0">
+              <a:rPr lang="en-GB" sz="4400" dirty="0">
                 <a:solidFill>
                   <a:schemeClr val="bg1"/>
                 </a:solidFill>
@@ -3507,7 +3505,7 @@
               <a:t>Hallelujah </a:t>
             </a:r>
             <a:r>
-              <a:rPr lang="en-GB" sz="5000" dirty="0" err="1">
+              <a:rPr lang="en-GB" sz="4400" dirty="0" err="1">
                 <a:solidFill>
                   <a:schemeClr val="bg1"/>
                 </a:solidFill>
@@ -3515,14 +3513,14 @@
               <a:t>hallelujah</a:t>
             </a:r>
             <a:br>
-              <a:rPr lang="en-GB" sz="5000" dirty="0">
+              <a:rPr lang="en-GB" sz="4400" dirty="0">
                 <a:solidFill>
                   <a:schemeClr val="bg1"/>
                 </a:solidFill>
               </a:rPr>
             </a:br>
             <a:r>
-              <a:rPr lang="en-GB" sz="5000" dirty="0">
+              <a:rPr lang="en-GB" sz="4400" dirty="0">
                 <a:solidFill>
                   <a:schemeClr val="bg1"/>
                 </a:solidFill>
@@ -3530,14 +3528,14 @@
               <a:t>We worship You for who You are</a:t>
             </a:r>
             <a:br>
-              <a:rPr lang="en-GB" sz="5000" dirty="0">
+              <a:rPr lang="en-GB" sz="4400" dirty="0">
                 <a:solidFill>
                   <a:schemeClr val="bg1"/>
                 </a:solidFill>
               </a:rPr>
             </a:br>
             <a:r>
-              <a:rPr lang="en-GB" sz="5000" dirty="0">
+              <a:rPr lang="en-GB" sz="4400" dirty="0">
                 <a:solidFill>
                   <a:schemeClr val="bg1"/>
                 </a:solidFill>
@@ -3627,14 +3625,11 @@
           </a:bodyPr>
           <a:lstStyle/>
           <a:p>
-            <a:endParaRPr lang="en-GB" sz="4800" dirty="0"/>
-          </a:p>
-          <a:p>
-            <a:endParaRPr lang="en-GB" sz="4800" dirty="0"/>
-          </a:p>
-          <a:p>
-            <a:r>
-              <a:rPr lang="en-GB" sz="4800" dirty="0">
+            <a:endParaRPr lang="en-GB" sz="4400" dirty="0"/>
+          </a:p>
+          <a:p>
+            <a:r>
+              <a:rPr lang="en-GB" sz="4400" dirty="0">
                 <a:solidFill>
                   <a:schemeClr val="bg1"/>
                 </a:solidFill>
@@ -3642,14 +3637,14 @@
               <a:t>You are good all the time</a:t>
             </a:r>
             <a:br>
-              <a:rPr lang="en-GB" sz="4800" dirty="0">
+              <a:rPr lang="en-GB" sz="4400" dirty="0">
                 <a:solidFill>
                   <a:schemeClr val="bg1"/>
                 </a:solidFill>
               </a:rPr>
             </a:br>
             <a:r>
-              <a:rPr lang="en-GB" sz="4800" dirty="0">
+              <a:rPr lang="en-GB" sz="4400" dirty="0">
                 <a:solidFill>
                   <a:schemeClr val="bg1"/>
                 </a:solidFill>
@@ -3657,14 +3652,14 @@
               <a:t>All the time You are good</a:t>
             </a:r>
             <a:br>
-              <a:rPr lang="en-GB" sz="4800" dirty="0">
+              <a:rPr lang="en-GB" sz="4400" dirty="0">
                 <a:solidFill>
                   <a:schemeClr val="bg1"/>
                 </a:solidFill>
               </a:rPr>
             </a:br>
             <a:r>
-              <a:rPr lang="en-GB" sz="4800" dirty="0">
+              <a:rPr lang="en-GB" sz="4400" dirty="0">
                 <a:solidFill>
                   <a:schemeClr val="bg1"/>
                 </a:solidFill>
@@ -3672,14 +3667,14 @@
               <a:t>You are good all the time</a:t>
             </a:r>
             <a:br>
-              <a:rPr lang="en-GB" sz="4800" dirty="0">
+              <a:rPr lang="en-GB" sz="4400" dirty="0">
                 <a:solidFill>
                   <a:schemeClr val="bg1"/>
                 </a:solidFill>
               </a:rPr>
             </a:br>
             <a:r>
-              <a:rPr lang="en-GB" sz="4800" dirty="0">
+              <a:rPr lang="en-GB" sz="4400" dirty="0">
                 <a:solidFill>
                   <a:schemeClr val="bg1"/>
                 </a:solidFill>

--- a/docs/songs/you are good.pptx
+++ b/docs/songs/you are good.pptx
@@ -308,7 +308,7 @@
             <a:fld id="{26EA1CF3-4A15-4CBF-9A5A-6A56C368BE71}" type="datetimeFigureOut">
               <a:rPr lang="en-GB" smtClean="0"/>
               <a:pPr/>
-              <a:t>08/06/2024</a:t>
+              <a:t>16/02/2026</a:t>
             </a:fld>
             <a:endParaRPr lang="en-GB"/>
           </a:p>
@@ -475,7 +475,7 @@
             <a:fld id="{26EA1CF3-4A15-4CBF-9A5A-6A56C368BE71}" type="datetimeFigureOut">
               <a:rPr lang="en-GB" smtClean="0"/>
               <a:pPr/>
-              <a:t>08/06/2024</a:t>
+              <a:t>16/02/2026</a:t>
             </a:fld>
             <a:endParaRPr lang="en-GB"/>
           </a:p>
@@ -652,7 +652,7 @@
             <a:fld id="{26EA1CF3-4A15-4CBF-9A5A-6A56C368BE71}" type="datetimeFigureOut">
               <a:rPr lang="en-GB" smtClean="0"/>
               <a:pPr/>
-              <a:t>08/06/2024</a:t>
+              <a:t>16/02/2026</a:t>
             </a:fld>
             <a:endParaRPr lang="en-GB"/>
           </a:p>
@@ -819,7 +819,7 @@
             <a:fld id="{26EA1CF3-4A15-4CBF-9A5A-6A56C368BE71}" type="datetimeFigureOut">
               <a:rPr lang="en-GB" smtClean="0"/>
               <a:pPr/>
-              <a:t>08/06/2024</a:t>
+              <a:t>16/02/2026</a:t>
             </a:fld>
             <a:endParaRPr lang="en-GB"/>
           </a:p>
@@ -1062,7 +1062,7 @@
             <a:fld id="{26EA1CF3-4A15-4CBF-9A5A-6A56C368BE71}" type="datetimeFigureOut">
               <a:rPr lang="en-GB" smtClean="0"/>
               <a:pPr/>
-              <a:t>08/06/2024</a:t>
+              <a:t>16/02/2026</a:t>
             </a:fld>
             <a:endParaRPr lang="en-GB"/>
           </a:p>
@@ -1347,7 +1347,7 @@
             <a:fld id="{26EA1CF3-4A15-4CBF-9A5A-6A56C368BE71}" type="datetimeFigureOut">
               <a:rPr lang="en-GB" smtClean="0"/>
               <a:pPr/>
-              <a:t>08/06/2024</a:t>
+              <a:t>16/02/2026</a:t>
             </a:fld>
             <a:endParaRPr lang="en-GB"/>
           </a:p>
@@ -1766,7 +1766,7 @@
             <a:fld id="{26EA1CF3-4A15-4CBF-9A5A-6A56C368BE71}" type="datetimeFigureOut">
               <a:rPr lang="en-GB" smtClean="0"/>
               <a:pPr/>
-              <a:t>08/06/2024</a:t>
+              <a:t>16/02/2026</a:t>
             </a:fld>
             <a:endParaRPr lang="en-GB"/>
           </a:p>
@@ -1881,7 +1881,7 @@
             <a:fld id="{26EA1CF3-4A15-4CBF-9A5A-6A56C368BE71}" type="datetimeFigureOut">
               <a:rPr lang="en-GB" smtClean="0"/>
               <a:pPr/>
-              <a:t>08/06/2024</a:t>
+              <a:t>16/02/2026</a:t>
             </a:fld>
             <a:endParaRPr lang="en-GB"/>
           </a:p>
@@ -1973,7 +1973,7 @@
             <a:fld id="{26EA1CF3-4A15-4CBF-9A5A-6A56C368BE71}" type="datetimeFigureOut">
               <a:rPr lang="en-GB" smtClean="0"/>
               <a:pPr/>
-              <a:t>08/06/2024</a:t>
+              <a:t>16/02/2026</a:t>
             </a:fld>
             <a:endParaRPr lang="en-GB"/>
           </a:p>
@@ -2247,7 +2247,7 @@
             <a:fld id="{26EA1CF3-4A15-4CBF-9A5A-6A56C368BE71}" type="datetimeFigureOut">
               <a:rPr lang="en-GB" smtClean="0"/>
               <a:pPr/>
-              <a:t>08/06/2024</a:t>
+              <a:t>16/02/2026</a:t>
             </a:fld>
             <a:endParaRPr lang="en-GB"/>
           </a:p>
@@ -2497,7 +2497,7 @@
             <a:fld id="{26EA1CF3-4A15-4CBF-9A5A-6A56C368BE71}" type="datetimeFigureOut">
               <a:rPr lang="en-GB" smtClean="0"/>
               <a:pPr/>
-              <a:t>08/06/2024</a:t>
+              <a:t>16/02/2026</a:t>
             </a:fld>
             <a:endParaRPr lang="en-GB"/>
           </a:p>
@@ -2710,7 +2710,7 @@
             <a:fld id="{26EA1CF3-4A15-4CBF-9A5A-6A56C368BE71}" type="datetimeFigureOut">
               <a:rPr lang="en-GB" smtClean="0"/>
               <a:pPr/>
-              <a:t>08/06/2024</a:t>
+              <a:t>16/02/2026</a:t>
             </a:fld>
             <a:endParaRPr lang="en-GB"/>
           </a:p>
@@ -3231,7 +3231,7 @@
               </a:spcBef>
             </a:pPr>
             <a:r>
-              <a:rPr lang="en-GB" sz="4400" dirty="0">
+              <a:rPr lang="en-GB" sz="3600" dirty="0">
                 <a:solidFill>
                   <a:schemeClr val="bg1"/>
                 </a:solidFill>
@@ -3239,14 +3239,14 @@
               <a:t>Lord You are good</a:t>
             </a:r>
             <a:br>
-              <a:rPr lang="en-GB" sz="4400" dirty="0">
+              <a:rPr lang="en-GB" sz="3600" dirty="0">
                 <a:solidFill>
                   <a:schemeClr val="bg1"/>
                 </a:solidFill>
               </a:rPr>
             </a:br>
             <a:r>
-              <a:rPr lang="en-GB" sz="4400" dirty="0">
+              <a:rPr lang="en-GB" sz="3600" dirty="0">
                 <a:solidFill>
                   <a:schemeClr val="bg1"/>
                 </a:solidFill>
@@ -3254,7 +3254,7 @@
               <a:t>And Your mercy </a:t>
             </a:r>
             <a:r>
-              <a:rPr lang="en-GB" sz="4400" dirty="0" err="1">
+              <a:rPr lang="en-GB" sz="3600" dirty="0" err="1">
                 <a:solidFill>
                   <a:schemeClr val="bg1"/>
                 </a:solidFill>
@@ -3262,7 +3262,7 @@
               <a:t>endureth</a:t>
             </a:r>
             <a:r>
-              <a:rPr lang="en-GB" sz="4400" dirty="0">
+              <a:rPr lang="en-GB" sz="3600" dirty="0">
                 <a:solidFill>
                   <a:schemeClr val="bg1"/>
                 </a:solidFill>
@@ -3270,14 +3270,14 @@
               <a:t> forever</a:t>
             </a:r>
             <a:br>
-              <a:rPr lang="en-GB" sz="4400" dirty="0">
+              <a:rPr lang="en-GB" sz="3600" dirty="0">
                 <a:solidFill>
                   <a:schemeClr val="bg1"/>
                 </a:solidFill>
               </a:rPr>
             </a:br>
             <a:r>
-              <a:rPr lang="en-GB" sz="4400" dirty="0">
+              <a:rPr lang="en-GB" sz="3600" dirty="0">
                 <a:solidFill>
                   <a:schemeClr val="bg1"/>
                 </a:solidFill>
@@ -3285,14 +3285,14 @@
               <a:t>Lord You are good</a:t>
             </a:r>
             <a:br>
-              <a:rPr lang="en-GB" sz="4400" dirty="0">
+              <a:rPr lang="en-GB" sz="3600" dirty="0">
                 <a:solidFill>
                   <a:schemeClr val="bg1"/>
                 </a:solidFill>
               </a:rPr>
             </a:br>
             <a:r>
-              <a:rPr lang="en-GB" sz="4400" dirty="0">
+              <a:rPr lang="en-GB" sz="3600" dirty="0">
                 <a:solidFill>
                   <a:schemeClr val="bg1"/>
                 </a:solidFill>
@@ -3300,7 +3300,7 @@
               <a:t>And Your mercy </a:t>
             </a:r>
             <a:r>
-              <a:rPr lang="en-GB" sz="4400" dirty="0" err="1">
+              <a:rPr lang="en-GB" sz="3600" dirty="0" err="1">
                 <a:solidFill>
                   <a:schemeClr val="bg1"/>
                 </a:solidFill>
@@ -3308,7 +3308,7 @@
               <a:t>endureth</a:t>
             </a:r>
             <a:r>
-              <a:rPr lang="en-GB" sz="4400" dirty="0">
+              <a:rPr lang="en-GB" sz="3600" dirty="0">
                 <a:solidFill>
                   <a:schemeClr val="bg1"/>
                 </a:solidFill>
@@ -3316,14 +3316,21 @@
               <a:t> forever</a:t>
             </a:r>
             <a:br>
-              <a:rPr lang="en-GB" sz="4400" dirty="0">
+              <a:rPr lang="en-GB" sz="3600" dirty="0">
                 <a:solidFill>
                   <a:schemeClr val="bg1"/>
                 </a:solidFill>
               </a:rPr>
             </a:br>
-            <a:r>
-              <a:rPr lang="en-GB" sz="4400" dirty="0">
+            <a:br>
+              <a:rPr lang="en-GB" sz="3600" dirty="0">
+                <a:solidFill>
+                  <a:schemeClr val="bg1"/>
+                </a:solidFill>
+              </a:rPr>
+            </a:br>
+            <a:r>
+              <a:rPr lang="en-GB" sz="3600" dirty="0">
                 <a:solidFill>
                   <a:schemeClr val="bg1"/>
                 </a:solidFill>
@@ -3331,14 +3338,14 @@
               <a:t>People from every nation and tongue</a:t>
             </a:r>
             <a:br>
-              <a:rPr lang="en-GB" sz="4400" dirty="0">
+              <a:rPr lang="en-GB" sz="3600" dirty="0">
                 <a:solidFill>
                   <a:schemeClr val="bg1"/>
                 </a:solidFill>
               </a:rPr>
             </a:br>
             <a:r>
-              <a:rPr lang="en-GB" sz="4400" dirty="0">
+              <a:rPr lang="en-GB" sz="3600" dirty="0">
                 <a:solidFill>
                   <a:schemeClr val="bg1"/>
                 </a:solidFill>
@@ -3429,7 +3436,7 @@
           <a:lstStyle/>
           <a:p>
             <a:r>
-              <a:rPr lang="en-GB" sz="4400" dirty="0">
+              <a:rPr lang="en-GB" sz="3600" dirty="0">
                 <a:solidFill>
                   <a:schemeClr val="bg1"/>
                 </a:solidFill>
@@ -3437,14 +3444,14 @@
               <a:t>We worship You</a:t>
             </a:r>
             <a:br>
-              <a:rPr lang="en-GB" sz="4400" dirty="0">
+              <a:rPr lang="en-GB" sz="3600" dirty="0">
                 <a:solidFill>
                   <a:schemeClr val="bg1"/>
                 </a:solidFill>
               </a:rPr>
             </a:br>
             <a:r>
-              <a:rPr lang="en-GB" sz="4400" dirty="0">
+              <a:rPr lang="en-GB" sz="3600" dirty="0">
                 <a:solidFill>
                   <a:schemeClr val="bg1"/>
                 </a:solidFill>
@@ -3452,7 +3459,7 @@
               <a:t>Hallelujah </a:t>
             </a:r>
             <a:r>
-              <a:rPr lang="en-GB" sz="4400" dirty="0" err="1">
+              <a:rPr lang="en-GB" sz="3600" dirty="0" err="1">
                 <a:solidFill>
                   <a:schemeClr val="bg1"/>
                 </a:solidFill>
@@ -3460,14 +3467,14 @@
               <a:t>hallelujah</a:t>
             </a:r>
             <a:br>
-              <a:rPr lang="en-GB" sz="4400" dirty="0">
+              <a:rPr lang="en-GB" sz="3600" dirty="0">
                 <a:solidFill>
                   <a:schemeClr val="bg1"/>
                 </a:solidFill>
               </a:rPr>
             </a:br>
             <a:r>
-              <a:rPr lang="en-GB" sz="4400" dirty="0">
+              <a:rPr lang="en-GB" sz="3600" dirty="0">
                 <a:solidFill>
                   <a:schemeClr val="bg1"/>
                 </a:solidFill>
@@ -3475,14 +3482,14 @@
               <a:t>We worship You for who You are</a:t>
             </a:r>
             <a:br>
-              <a:rPr lang="en-GB" sz="4400" dirty="0">
+              <a:rPr lang="en-GB" sz="3600" dirty="0">
                 <a:solidFill>
                   <a:schemeClr val="bg1"/>
                 </a:solidFill>
               </a:rPr>
             </a:br>
             <a:r>
-              <a:rPr lang="en-GB" sz="4400" dirty="0">
+              <a:rPr lang="en-GB" sz="3600" dirty="0">
                 <a:solidFill>
                   <a:schemeClr val="bg1"/>
                 </a:solidFill>
@@ -3490,14 +3497,14 @@
               <a:t>We worship You</a:t>
             </a:r>
             <a:br>
-              <a:rPr lang="en-GB" sz="4400" dirty="0">
+              <a:rPr lang="en-GB" sz="3600" dirty="0">
                 <a:solidFill>
                   <a:schemeClr val="bg1"/>
                 </a:solidFill>
               </a:rPr>
             </a:br>
             <a:r>
-              <a:rPr lang="en-GB" sz="4400" dirty="0">
+              <a:rPr lang="en-GB" sz="3600" dirty="0">
                 <a:solidFill>
                   <a:schemeClr val="bg1"/>
                 </a:solidFill>
@@ -3505,7 +3512,7 @@
               <a:t>Hallelujah </a:t>
             </a:r>
             <a:r>
-              <a:rPr lang="en-GB" sz="4400" dirty="0" err="1">
+              <a:rPr lang="en-GB" sz="3600" dirty="0" err="1">
                 <a:solidFill>
                   <a:schemeClr val="bg1"/>
                 </a:solidFill>
@@ -3513,14 +3520,14 @@
               <a:t>hallelujah</a:t>
             </a:r>
             <a:br>
-              <a:rPr lang="en-GB" sz="4400" dirty="0">
+              <a:rPr lang="en-GB" sz="3600" dirty="0">
                 <a:solidFill>
                   <a:schemeClr val="bg1"/>
                 </a:solidFill>
               </a:rPr>
             </a:br>
             <a:r>
-              <a:rPr lang="en-GB" sz="4400" dirty="0">
+              <a:rPr lang="en-GB" sz="3600" dirty="0">
                 <a:solidFill>
                   <a:schemeClr val="bg1"/>
                 </a:solidFill>
@@ -3528,14 +3535,14 @@
               <a:t>We worship You for who You are</a:t>
             </a:r>
             <a:br>
-              <a:rPr lang="en-GB" sz="4400" dirty="0">
+              <a:rPr lang="en-GB" sz="3600" dirty="0">
                 <a:solidFill>
                   <a:schemeClr val="bg1"/>
                 </a:solidFill>
               </a:rPr>
             </a:br>
             <a:r>
-              <a:rPr lang="en-GB" sz="4400" dirty="0">
+              <a:rPr lang="en-GB" sz="3600" dirty="0">
                 <a:solidFill>
                   <a:schemeClr val="bg1"/>
                 </a:solidFill>
@@ -3625,11 +3632,11 @@
           </a:bodyPr>
           <a:lstStyle/>
           <a:p>
-            <a:endParaRPr lang="en-GB" sz="4400" dirty="0"/>
-          </a:p>
-          <a:p>
-            <a:r>
-              <a:rPr lang="en-GB" sz="4400" dirty="0">
+            <a:endParaRPr lang="en-GB" sz="3600" dirty="0"/>
+          </a:p>
+          <a:p>
+            <a:r>
+              <a:rPr lang="en-GB" sz="3600" dirty="0">
                 <a:solidFill>
                   <a:schemeClr val="bg1"/>
                 </a:solidFill>
@@ -3637,14 +3644,14 @@
               <a:t>You are good all the time</a:t>
             </a:r>
             <a:br>
-              <a:rPr lang="en-GB" sz="4400" dirty="0">
+              <a:rPr lang="en-GB" sz="3600" dirty="0">
                 <a:solidFill>
                   <a:schemeClr val="bg1"/>
                 </a:solidFill>
               </a:rPr>
             </a:br>
             <a:r>
-              <a:rPr lang="en-GB" sz="4400" dirty="0">
+              <a:rPr lang="en-GB" sz="3600" dirty="0">
                 <a:solidFill>
                   <a:schemeClr val="bg1"/>
                 </a:solidFill>
@@ -3652,14 +3659,14 @@
               <a:t>All the time You are good</a:t>
             </a:r>
             <a:br>
-              <a:rPr lang="en-GB" sz="4400" dirty="0">
+              <a:rPr lang="en-GB" sz="3600" dirty="0">
                 <a:solidFill>
                   <a:schemeClr val="bg1"/>
                 </a:solidFill>
               </a:rPr>
             </a:br>
             <a:r>
-              <a:rPr lang="en-GB" sz="4400" dirty="0">
+              <a:rPr lang="en-GB" sz="3600" dirty="0">
                 <a:solidFill>
                   <a:schemeClr val="bg1"/>
                 </a:solidFill>
@@ -3667,14 +3674,14 @@
               <a:t>You are good all the time</a:t>
             </a:r>
             <a:br>
-              <a:rPr lang="en-GB" sz="4400" dirty="0">
+              <a:rPr lang="en-GB" sz="3600" dirty="0">
                 <a:solidFill>
                   <a:schemeClr val="bg1"/>
                 </a:solidFill>
               </a:rPr>
             </a:br>
             <a:r>
-              <a:rPr lang="en-GB" sz="4400" dirty="0">
+              <a:rPr lang="en-GB" sz="3600" dirty="0">
                 <a:solidFill>
                   <a:schemeClr val="bg1"/>
                 </a:solidFill>
